--- a/poster retreat 2023.pptx
+++ b/poster retreat 2023.pptx
@@ -5,8 +5,7 @@
     <p:sldMasterId id="2147483660" r:id="rId1"/>
   </p:sldMasterIdLst>
   <p:sldIdLst>
-    <p:sldId id="256" r:id="rId2"/>
-    <p:sldId id="258" r:id="rId3"/>
+    <p:sldId id="258" r:id="rId2"/>
   </p:sldIdLst>
   <p:sldSz cx="43891200" cy="32918400"/>
   <p:notesSz cx="6858000" cy="9144000"/>
@@ -105,6 +104,11 @@
       </a:defRPr>
     </a:lvl9pPr>
   </p:defaultTextStyle>
+  <p:extLst>
+    <p:ext uri="{EFAFB233-063F-42B5-8137-9DF3F51BA10A}">
+      <p15:sldGuideLst xmlns:p15="http://schemas.microsoft.com/office/powerpoint/2012/main"/>
+    </p:ext>
+  </p:extLst>
 </p:presentation>
 </file>
 
@@ -239,7 +243,7 @@
           <a:p>
             <a:fld id="{10C45168-2691-4D87-8878-BF1A1DAE50E3}" type="datetimeFigureOut">
               <a:rPr lang="en-US" smtClean="0"/>
-              <a:t>9/22/2023</a:t>
+              <a:t>9/23/2023</a:t>
             </a:fld>
             <a:endParaRPr lang="en-US"/>
           </a:p>
@@ -409,7 +413,7 @@
           <a:p>
             <a:fld id="{10C45168-2691-4D87-8878-BF1A1DAE50E3}" type="datetimeFigureOut">
               <a:rPr lang="en-US" smtClean="0"/>
-              <a:t>9/22/2023</a:t>
+              <a:t>9/23/2023</a:t>
             </a:fld>
             <a:endParaRPr lang="en-US"/>
           </a:p>
@@ -589,7 +593,7 @@
           <a:p>
             <a:fld id="{10C45168-2691-4D87-8878-BF1A1DAE50E3}" type="datetimeFigureOut">
               <a:rPr lang="en-US" smtClean="0"/>
-              <a:t>9/22/2023</a:t>
+              <a:t>9/23/2023</a:t>
             </a:fld>
             <a:endParaRPr lang="en-US"/>
           </a:p>
@@ -759,7 +763,7 @@
           <a:p>
             <a:fld id="{10C45168-2691-4D87-8878-BF1A1DAE50E3}" type="datetimeFigureOut">
               <a:rPr lang="en-US" smtClean="0"/>
-              <a:t>9/22/2023</a:t>
+              <a:t>9/23/2023</a:t>
             </a:fld>
             <a:endParaRPr lang="en-US"/>
           </a:p>
@@ -1003,7 +1007,7 @@
           <a:p>
             <a:fld id="{10C45168-2691-4D87-8878-BF1A1DAE50E3}" type="datetimeFigureOut">
               <a:rPr lang="en-US" smtClean="0"/>
-              <a:t>9/22/2023</a:t>
+              <a:t>9/23/2023</a:t>
             </a:fld>
             <a:endParaRPr lang="en-US"/>
           </a:p>
@@ -1235,7 +1239,7 @@
           <a:p>
             <a:fld id="{10C45168-2691-4D87-8878-BF1A1DAE50E3}" type="datetimeFigureOut">
               <a:rPr lang="en-US" smtClean="0"/>
-              <a:t>9/22/2023</a:t>
+              <a:t>9/23/2023</a:t>
             </a:fld>
             <a:endParaRPr lang="en-US"/>
           </a:p>
@@ -1602,7 +1606,7 @@
           <a:p>
             <a:fld id="{10C45168-2691-4D87-8878-BF1A1DAE50E3}" type="datetimeFigureOut">
               <a:rPr lang="en-US" smtClean="0"/>
-              <a:t>9/22/2023</a:t>
+              <a:t>9/23/2023</a:t>
             </a:fld>
             <a:endParaRPr lang="en-US"/>
           </a:p>
@@ -1720,7 +1724,7 @@
           <a:p>
             <a:fld id="{10C45168-2691-4D87-8878-BF1A1DAE50E3}" type="datetimeFigureOut">
               <a:rPr lang="en-US" smtClean="0"/>
-              <a:t>9/22/2023</a:t>
+              <a:t>9/23/2023</a:t>
             </a:fld>
             <a:endParaRPr lang="en-US"/>
           </a:p>
@@ -1815,7 +1819,7 @@
           <a:p>
             <a:fld id="{10C45168-2691-4D87-8878-BF1A1DAE50E3}" type="datetimeFigureOut">
               <a:rPr lang="en-US" smtClean="0"/>
-              <a:t>9/22/2023</a:t>
+              <a:t>9/23/2023</a:t>
             </a:fld>
             <a:endParaRPr lang="en-US"/>
           </a:p>
@@ -2092,7 +2096,7 @@
           <a:p>
             <a:fld id="{10C45168-2691-4D87-8878-BF1A1DAE50E3}" type="datetimeFigureOut">
               <a:rPr lang="en-US" smtClean="0"/>
-              <a:t>9/22/2023</a:t>
+              <a:t>9/23/2023</a:t>
             </a:fld>
             <a:endParaRPr lang="en-US"/>
           </a:p>
@@ -2349,7 +2353,7 @@
           <a:p>
             <a:fld id="{10C45168-2691-4D87-8878-BF1A1DAE50E3}" type="datetimeFigureOut">
               <a:rPr lang="en-US" smtClean="0"/>
-              <a:t>9/22/2023</a:t>
+              <a:t>9/23/2023</a:t>
             </a:fld>
             <a:endParaRPr lang="en-US"/>
           </a:p>
@@ -2562,7 +2566,7 @@
           <a:p>
             <a:fld id="{10C45168-2691-4D87-8878-BF1A1DAE50E3}" type="datetimeFigureOut">
               <a:rPr lang="en-US" smtClean="0"/>
-              <a:t>9/22/2023</a:t>
+              <a:t>9/23/2023</a:t>
             </a:fld>
             <a:endParaRPr lang="en-US"/>
           </a:p>
@@ -2969,146 +2973,6 @@
       </p:grpSpPr>
       <p:sp>
         <p:nvSpPr>
-          <p:cNvPr id="4" name="Rectangle: Rounded Corners 3">
-            <a:extLst>
-              <a:ext uri="{FF2B5EF4-FFF2-40B4-BE49-F238E27FC236}">
-                <a16:creationId xmlns:a16="http://schemas.microsoft.com/office/drawing/2014/main" id="{15510F47-184B-3187-8D38-842CD645CE2C}"/>
-              </a:ext>
-            </a:extLst>
-          </p:cNvPr>
-          <p:cNvSpPr/>
-          <p:nvPr/>
-        </p:nvSpPr>
-        <p:spPr>
-          <a:xfrm>
-            <a:off x="3998102" y="4571999"/>
-            <a:ext cx="10458127" cy="11887201"/>
-          </a:xfrm>
-          <a:prstGeom prst="roundRect">
-            <a:avLst/>
-          </a:prstGeom>
-          <a:solidFill>
-            <a:schemeClr val="bg1"/>
-          </a:solidFill>
-          <a:ln w="152400">
-            <a:solidFill>
-              <a:schemeClr val="accent6"/>
-            </a:solidFill>
-          </a:ln>
-        </p:spPr>
-        <p:style>
-          <a:lnRef idx="2">
-            <a:schemeClr val="accent1">
-              <a:shade val="15000"/>
-            </a:schemeClr>
-          </a:lnRef>
-          <a:fillRef idx="1">
-            <a:schemeClr val="accent1"/>
-          </a:fillRef>
-          <a:effectRef idx="0">
-            <a:schemeClr val="accent1"/>
-          </a:effectRef>
-          <a:fontRef idx="minor">
-            <a:schemeClr val="lt1"/>
-          </a:fontRef>
-        </p:style>
-        <p:txBody>
-          <a:bodyPr rtlCol="0" anchor="ctr"/>
-          <a:lstStyle/>
-          <a:p>
-            <a:pPr algn="ctr"/>
-            <a:endParaRPr lang="en-US" dirty="0">
-              <a:ln w="38100">
-                <a:solidFill>
-                  <a:schemeClr val="tx1"/>
-                </a:solidFill>
-              </a:ln>
-            </a:endParaRPr>
-          </a:p>
-        </p:txBody>
-      </p:sp>
-      <p:sp>
-        <p:nvSpPr>
-          <p:cNvPr id="5" name="TextBox 4">
-            <a:extLst>
-              <a:ext uri="{FF2B5EF4-FFF2-40B4-BE49-F238E27FC236}">
-                <a16:creationId xmlns:a16="http://schemas.microsoft.com/office/drawing/2014/main" id="{6DF611DC-64FF-4F26-7572-7F3D54A896CB}"/>
-              </a:ext>
-            </a:extLst>
-          </p:cNvPr>
-          <p:cNvSpPr txBox="1"/>
-          <p:nvPr/>
-        </p:nvSpPr>
-        <p:spPr>
-          <a:xfrm>
-            <a:off x="5921829" y="522514"/>
-            <a:ext cx="33005485" cy="2308324"/>
-          </a:xfrm>
-          <a:prstGeom prst="rect">
-            <a:avLst/>
-          </a:prstGeom>
-          <a:noFill/>
-        </p:spPr>
-        <p:txBody>
-          <a:bodyPr wrap="square" rtlCol="0">
-            <a:spAutoFit/>
-          </a:bodyPr>
-          <a:lstStyle/>
-          <a:p>
-            <a:r>
-              <a:rPr lang="en-US" sz="9600" dirty="0"/>
-              <a:t>How to Efficiently Encode Chromatic Natural Images in the Retina</a:t>
-            </a:r>
-          </a:p>
-          <a:p>
-            <a:pPr algn="ctr"/>
-            <a:r>
-              <a:rPr lang="en-US" sz="4800" dirty="0"/>
-              <a:t>David St-</a:t>
-            </a:r>
-            <a:r>
-              <a:rPr lang="en-US" sz="4800" dirty="0" err="1"/>
-              <a:t>Amand</a:t>
-            </a:r>
-            <a:r>
-              <a:rPr lang="en-US" sz="4800" dirty="0"/>
-              <a:t>, Greg Field, John Pearson </a:t>
-            </a:r>
-          </a:p>
-        </p:txBody>
-      </p:sp>
-    </p:spTree>
-    <p:extLst>
-      <p:ext uri="{BB962C8B-B14F-4D97-AF65-F5344CB8AC3E}">
-        <p14:creationId xmlns:p14="http://schemas.microsoft.com/office/powerpoint/2010/main" val="127814373"/>
-      </p:ext>
-    </p:extLst>
-  </p:cSld>
-  <p:clrMapOvr>
-    <a:masterClrMapping/>
-  </p:clrMapOvr>
-</p:sld>
-</file>
-
-<file path=ppt/slides/slide2.xml><?xml version="1.0" encoding="utf-8"?>
-<p:sld xmlns:a="http://schemas.openxmlformats.org/drawingml/2006/main" xmlns:r="http://schemas.openxmlformats.org/officeDocument/2006/relationships" xmlns:p="http://schemas.openxmlformats.org/presentationml/2006/main">
-  <p:cSld>
-    <p:spTree>
-      <p:nvGrpSpPr>
-        <p:cNvPr id="1" name=""/>
-        <p:cNvGrpSpPr/>
-        <p:nvPr/>
-      </p:nvGrpSpPr>
-      <p:grpSpPr>
-        <a:xfrm>
-          <a:off x="0" y="0"/>
-          <a:ext cx="0" cy="0"/>
-          <a:chOff x="0" y="0"/>
-          <a:chExt cx="0" cy="0"/>
-        </a:xfrm>
-      </p:grpSpPr>
-      <p:sp>
-        <p:nvSpPr>
           <p:cNvPr id="14" name="Rectangle : coins arrondis 13">
             <a:extLst>
               <a:ext uri="{FF2B5EF4-FFF2-40B4-BE49-F238E27FC236}">
@@ -3305,7 +3169,7 @@
         <p:spPr>
           <a:xfrm>
             <a:off x="4402530" y="9631181"/>
-            <a:ext cx="9021748" cy="9437870"/>
+            <a:ext cx="10927646" cy="11561384"/>
           </a:xfrm>
           <a:prstGeom prst="roundRect">
             <a:avLst/>
@@ -3387,8 +3251,8 @@
         </p:nvGrpSpPr>
         <p:grpSpPr>
           <a:xfrm>
-            <a:off x="4267200" y="19561851"/>
-            <a:ext cx="8929065" cy="9927549"/>
+            <a:off x="3550552" y="22147259"/>
+            <a:ext cx="11779624" cy="9927549"/>
             <a:chOff x="4267200" y="15905058"/>
             <a:chExt cx="8929065" cy="12535527"/>
           </a:xfrm>
@@ -3492,7 +3356,7 @@
         <p:spPr>
           <a:xfrm>
             <a:off x="30076358" y="9523323"/>
-            <a:ext cx="7642525" cy="5662122"/>
+            <a:ext cx="8561524" cy="10450042"/>
           </a:xfrm>
           <a:prstGeom prst="roundRect">
             <a:avLst/>
@@ -3539,7 +3403,7 @@
         </p:nvSpPr>
         <p:spPr>
           <a:xfrm>
-            <a:off x="32870700" y="9572210"/>
+            <a:off x="32322597" y="9682257"/>
             <a:ext cx="3917228" cy="923330"/>
           </a:xfrm>
           <a:prstGeom prst="rect">
@@ -3555,7 +3419,7 @@
           <a:p>
             <a:r>
               <a:rPr lang="en-US" sz="5400" dirty="0"/>
-              <a:t>Results</a:t>
+              <a:t>Discussion</a:t>
             </a:r>
           </a:p>
         </p:txBody>
@@ -3574,7 +3438,7 @@
         </p:nvSpPr>
         <p:spPr>
           <a:xfrm>
-            <a:off x="30118869" y="16168796"/>
+            <a:off x="30778680" y="21353263"/>
             <a:ext cx="7642524" cy="5662122"/>
           </a:xfrm>
           <a:prstGeom prst="roundRect">
@@ -3622,7 +3486,7 @@
         </p:nvSpPr>
         <p:spPr>
           <a:xfrm>
-            <a:off x="32542354" y="16168796"/>
+            <a:off x="33044890" y="21685547"/>
             <a:ext cx="3917227" cy="923330"/>
           </a:xfrm>
           <a:prstGeom prst="rect">
@@ -3645,10 +3509,10 @@
       </p:sp>
       <p:sp>
         <p:nvSpPr>
-          <p:cNvPr id="23" name="Rectangle: Rounded Corners 22">
+          <p:cNvPr id="25" name="Rectangle: Rounded Corners 24">
             <a:extLst>
               <a:ext uri="{FF2B5EF4-FFF2-40B4-BE49-F238E27FC236}">
-                <a16:creationId xmlns:a16="http://schemas.microsoft.com/office/drawing/2014/main" id="{91339EBB-6385-9F59-3A28-641B649F8CF7}"/>
+                <a16:creationId xmlns:a16="http://schemas.microsoft.com/office/drawing/2014/main" id="{CCEAD3DD-6CF4-7C11-7DC4-6F8F7707946A}"/>
               </a:ext>
             </a:extLst>
           </p:cNvPr>
@@ -3657,8 +3521,8 @@
         </p:nvSpPr>
         <p:spPr>
           <a:xfrm>
-            <a:off x="30361494" y="22837546"/>
-            <a:ext cx="7225190" cy="5662122"/>
+            <a:off x="16218620" y="9631180"/>
+            <a:ext cx="12969294" cy="22193216"/>
           </a:xfrm>
           <a:prstGeom prst="roundRect">
             <a:avLst/>
@@ -3693,89 +3557,6 @@
       </p:sp>
       <p:sp>
         <p:nvSpPr>
-          <p:cNvPr id="24" name="TextBox 23">
-            <a:extLst>
-              <a:ext uri="{FF2B5EF4-FFF2-40B4-BE49-F238E27FC236}">
-                <a16:creationId xmlns:a16="http://schemas.microsoft.com/office/drawing/2014/main" id="{A36C32F7-353A-B3C1-DC29-834F2869FA68}"/>
-              </a:ext>
-            </a:extLst>
-          </p:cNvPr>
-          <p:cNvSpPr txBox="1"/>
-          <p:nvPr/>
-        </p:nvSpPr>
-        <p:spPr>
-          <a:xfrm>
-            <a:off x="32542354" y="22868015"/>
-            <a:ext cx="3703320" cy="923330"/>
-          </a:xfrm>
-          <a:prstGeom prst="rect">
-            <a:avLst/>
-          </a:prstGeom>
-          <a:noFill/>
-        </p:spPr>
-        <p:txBody>
-          <a:bodyPr wrap="square" rtlCol="0">
-            <a:spAutoFit/>
-          </a:bodyPr>
-          <a:lstStyle/>
-          <a:p>
-            <a:r>
-              <a:rPr lang="en-US" sz="5400" dirty="0"/>
-              <a:t>References</a:t>
-            </a:r>
-          </a:p>
-        </p:txBody>
-      </p:sp>
-      <p:sp>
-        <p:nvSpPr>
-          <p:cNvPr id="25" name="Rectangle: Rounded Corners 24">
-            <a:extLst>
-              <a:ext uri="{FF2B5EF4-FFF2-40B4-BE49-F238E27FC236}">
-                <a16:creationId xmlns:a16="http://schemas.microsoft.com/office/drawing/2014/main" id="{CCEAD3DD-6CF4-7C11-7DC4-6F8F7707946A}"/>
-              </a:ext>
-            </a:extLst>
-          </p:cNvPr>
-          <p:cNvSpPr/>
-          <p:nvPr/>
-        </p:nvSpPr>
-        <p:spPr>
-          <a:xfrm>
-            <a:off x="14229672" y="9631180"/>
-            <a:ext cx="14958242" cy="18868488"/>
-          </a:xfrm>
-          <a:prstGeom prst="roundRect">
-            <a:avLst/>
-          </a:prstGeom>
-          <a:noFill/>
-          <a:ln w="63500"/>
-        </p:spPr>
-        <p:style>
-          <a:lnRef idx="2">
-            <a:schemeClr val="accent1">
-              <a:shade val="15000"/>
-            </a:schemeClr>
-          </a:lnRef>
-          <a:fillRef idx="1">
-            <a:schemeClr val="accent1"/>
-          </a:fillRef>
-          <a:effectRef idx="0">
-            <a:schemeClr val="accent1"/>
-          </a:effectRef>
-          <a:fontRef idx="minor">
-            <a:schemeClr val="lt1"/>
-          </a:fontRef>
-        </p:style>
-        <p:txBody>
-          <a:bodyPr rtlCol="0" anchor="ctr"/>
-          <a:lstStyle/>
-          <a:p>
-            <a:pPr algn="ctr"/>
-            <a:endParaRPr lang="en-US"/>
-          </a:p>
-        </p:txBody>
-      </p:sp>
-      <p:sp>
-        <p:nvSpPr>
           <p:cNvPr id="26" name="TextBox 25">
             <a:extLst>
               <a:ext uri="{FF2B5EF4-FFF2-40B4-BE49-F238E27FC236}">
@@ -3788,7 +3569,7 @@
         </p:nvSpPr>
         <p:spPr>
           <a:xfrm>
-            <a:off x="19724407" y="9637067"/>
+            <a:off x="21580602" y="9631180"/>
             <a:ext cx="7666948" cy="923330"/>
           </a:xfrm>
           <a:prstGeom prst="rect">
@@ -3823,8 +3604,8 @@
         </p:nvSpPr>
         <p:spPr>
           <a:xfrm>
-            <a:off x="4802088" y="10585875"/>
-            <a:ext cx="7225190" cy="4524315"/>
+            <a:off x="4768493" y="10585875"/>
+            <a:ext cx="10242952" cy="6001643"/>
           </a:xfrm>
           <a:prstGeom prst="rect">
             <a:avLst/>
@@ -3843,8 +3624,34 @@
             </a:pPr>
             <a:r>
               <a:rPr lang="en-US" sz="3200" dirty="0"/>
-              <a:t>Efficient coding: Sensory systems should efficiently encode their inputs</a:t>
-            </a:r>
+              <a:t>Efficient coding: Sensory systems should efficiently encode their inputs, e.g.:</a:t>
+            </a:r>
+          </a:p>
+          <a:p>
+            <a:endParaRPr lang="en-US" sz="3200" dirty="0"/>
+          </a:p>
+          <a:p>
+            <a:r>
+              <a:rPr lang="en-US" sz="3200" dirty="0"/>
+              <a:t>1. Maximize mutual information: I(X;Y) = H(Y) – H(Y|X)</a:t>
+            </a:r>
+          </a:p>
+          <a:p>
+            <a:r>
+              <a:rPr lang="en-US" sz="3200" dirty="0"/>
+              <a:t>2. Under a firing rate constraint: E[</a:t>
+            </a:r>
+            <a:r>
+              <a:rPr lang="en-US" sz="3200" dirty="0" err="1"/>
+              <a:t>r_j</a:t>
+            </a:r>
+            <a:r>
+              <a:rPr lang="en-US" sz="3200" dirty="0"/>
+              <a:t>] = 1 </a:t>
+            </a:r>
+          </a:p>
+          <a:p>
+            <a:endParaRPr lang="en-US" sz="3200" dirty="0"/>
           </a:p>
           <a:p>
             <a:pPr marL="285750" indent="-285750">
@@ -3853,7 +3660,7 @@
             </a:pPr>
             <a:r>
               <a:rPr lang="en-US" sz="3200" dirty="0"/>
-              <a:t>Efficient coding has been very successful at explaining how the retina encodes (black and white) natural images</a:t>
+              <a:t>Efficient coding models has been very successful at explaining how the retina encodes (black and white) natural images (Jun et al., 2021)</a:t>
             </a:r>
           </a:p>
           <a:p>
@@ -3863,7 +3670,7 @@
             </a:pPr>
             <a:r>
               <a:rPr lang="en-US" sz="3200" dirty="0"/>
-              <a:t>However, the efficient strategy to encode chromatic natural images is less well understood</a:t>
+              <a:t>However, the efficient strategy to encode chromatic inputs is less well understood</a:t>
             </a:r>
           </a:p>
           <a:p>
@@ -3871,19 +3678,16 @@
               <a:buFont typeface="Wingdings" panose="05000000000000000000" pitchFamily="2" charset="2"/>
               <a:buChar char="§"/>
             </a:pPr>
-            <a:r>
-              <a:rPr lang="en-US" sz="3200" dirty="0"/>
-              <a:t>Cones in the retina:</a:t>
-            </a:r>
+            <a:endParaRPr lang="en-US" sz="3200" dirty="0"/>
           </a:p>
         </p:txBody>
       </p:sp>
       <p:pic>
         <p:nvPicPr>
-          <p:cNvPr id="28" name="Picture 2">
+          <p:cNvPr id="29" name="Picture 2">
             <a:extLst>
               <a:ext uri="{FF2B5EF4-FFF2-40B4-BE49-F238E27FC236}">
-                <a16:creationId xmlns:a16="http://schemas.microsoft.com/office/drawing/2014/main" id="{52B80BAC-84D7-B064-EBB4-A72CD80778BC}"/>
+                <a16:creationId xmlns:a16="http://schemas.microsoft.com/office/drawing/2014/main" id="{088C25DC-3C75-CB30-4BB4-F87C4F6F2155}"/>
               </a:ext>
             </a:extLst>
           </p:cNvPr>
@@ -3907,8 +3711,8 @@
         </p:blipFill>
         <p:spPr bwMode="auto">
           <a:xfrm>
-            <a:off x="8913404" y="15575508"/>
-            <a:ext cx="3523444" cy="2013398"/>
+            <a:off x="5169658" y="16940786"/>
+            <a:ext cx="3547007" cy="3194302"/>
           </a:xfrm>
           <a:prstGeom prst="rect">
             <a:avLst/>
@@ -3927,10 +3731,10 @@
       </p:pic>
       <p:pic>
         <p:nvPicPr>
-          <p:cNvPr id="29" name="Picture 2">
+          <p:cNvPr id="31" name="Picture 2">
             <a:extLst>
               <a:ext uri="{FF2B5EF4-FFF2-40B4-BE49-F238E27FC236}">
-                <a16:creationId xmlns:a16="http://schemas.microsoft.com/office/drawing/2014/main" id="{088C25DC-3C75-CB30-4BB4-F87C4F6F2155}"/>
+                <a16:creationId xmlns:a16="http://schemas.microsoft.com/office/drawing/2014/main" id="{222FB7A3-7BFF-E525-F1CE-3607A7544C90}"/>
               </a:ext>
             </a:extLst>
           </p:cNvPr>
@@ -3954,55 +3758,8 @@
         </p:blipFill>
         <p:spPr bwMode="auto">
           <a:xfrm>
-            <a:off x="4861357" y="15602990"/>
-            <a:ext cx="3307124" cy="2978272"/>
-          </a:xfrm>
-          <a:prstGeom prst="rect">
-            <a:avLst/>
-          </a:prstGeom>
-          <a:noFill/>
-          <a:extLst>
-            <a:ext uri="{909E8E84-426E-40DD-AFC4-6F175D3DCCD1}">
-              <a14:hiddenFill xmlns:a14="http://schemas.microsoft.com/office/drawing/2010/main">
-                <a:solidFill>
-                  <a:srgbClr val="FFFFFF"/>
-                </a:solidFill>
-              </a14:hiddenFill>
-            </a:ext>
-          </a:extLst>
-        </p:spPr>
-      </p:pic>
-      <p:pic>
-        <p:nvPicPr>
-          <p:cNvPr id="31" name="Picture 2">
-            <a:extLst>
-              <a:ext uri="{FF2B5EF4-FFF2-40B4-BE49-F238E27FC236}">
-                <a16:creationId xmlns:a16="http://schemas.microsoft.com/office/drawing/2014/main" id="{222FB7A3-7BFF-E525-F1CE-3607A7544C90}"/>
-              </a:ext>
-            </a:extLst>
-          </p:cNvPr>
-          <p:cNvPicPr>
-            <a:picLocks noChangeAspect="1" noChangeArrowheads="1"/>
-          </p:cNvPicPr>
-          <p:nvPr/>
-        </p:nvPicPr>
-        <p:blipFill>
-          <a:blip r:embed="rId3">
-            <a:extLst>
-              <a:ext uri="{28A0092B-C50C-407E-A947-70E740481C1C}">
-                <a14:useLocalDpi xmlns:a14="http://schemas.microsoft.com/office/drawing/2010/main" val="0"/>
-              </a:ext>
-            </a:extLst>
-          </a:blip>
-          <a:srcRect/>
-          <a:stretch>
-            <a:fillRect/>
-          </a:stretch>
-        </p:blipFill>
-        <p:spPr bwMode="auto">
-          <a:xfrm>
-            <a:off x="8168481" y="15694983"/>
-            <a:ext cx="4881226" cy="2789274"/>
+            <a:off x="9650446" y="17185042"/>
+            <a:ext cx="5197826" cy="2970188"/>
           </a:xfrm>
           <a:prstGeom prst="rect">
             <a:avLst/>
@@ -4041,7 +3798,7 @@
         </p:blipFill>
         <p:spPr>
           <a:xfrm>
-            <a:off x="4402530" y="20723832"/>
+            <a:off x="4715817" y="23730391"/>
             <a:ext cx="8612800" cy="3476252"/>
           </a:xfrm>
           <a:prstGeom prst="rect">
@@ -4071,7 +3828,7 @@
         </p:blipFill>
         <p:spPr>
           <a:xfrm>
-            <a:off x="5610280" y="25915840"/>
+            <a:off x="4715817" y="27823242"/>
             <a:ext cx="5608806" cy="1013548"/>
           </a:xfrm>
           <a:prstGeom prst="rect">
@@ -4079,70 +3836,6 @@
           </a:prstGeom>
         </p:spPr>
       </p:pic>
-      <p:sp>
-        <p:nvSpPr>
-          <p:cNvPr id="40" name="TextBox 39">
-            <a:extLst>
-              <a:ext uri="{FF2B5EF4-FFF2-40B4-BE49-F238E27FC236}">
-                <a16:creationId xmlns:a16="http://schemas.microsoft.com/office/drawing/2014/main" id="{D1AAAF9A-D310-3FD1-B393-38BD59FD0816}"/>
-              </a:ext>
-            </a:extLst>
-          </p:cNvPr>
-          <p:cNvSpPr txBox="1"/>
-          <p:nvPr/>
-        </p:nvSpPr>
-        <p:spPr>
-          <a:xfrm>
-            <a:off x="4402530" y="24200084"/>
-            <a:ext cx="7624748" cy="1477328"/>
-          </a:xfrm>
-          <a:prstGeom prst="rect">
-            <a:avLst/>
-          </a:prstGeom>
-          <a:noFill/>
-        </p:spPr>
-        <p:txBody>
-          <a:bodyPr wrap="square" rtlCol="0">
-            <a:spAutoFit/>
-          </a:bodyPr>
-          <a:lstStyle/>
-          <a:p>
-            <a:r>
-              <a:rPr lang="en-US" b="1" dirty="0"/>
-              <a:t>Maximize mutual information:</a:t>
-            </a:r>
-          </a:p>
-          <a:p>
-            <a:r>
-              <a:rPr lang="en-US" b="1" dirty="0"/>
-              <a:t>I(X;Y) = H(Y) – H(Y|X)</a:t>
-            </a:r>
-          </a:p>
-          <a:p>
-            <a:endParaRPr lang="en-US" b="1" dirty="0"/>
-          </a:p>
-          <a:p>
-            <a:r>
-              <a:rPr lang="en-US" b="1" dirty="0"/>
-              <a:t>Firing rate constraint:</a:t>
-            </a:r>
-          </a:p>
-          <a:p>
-            <a:r>
-              <a:rPr lang="en-US" b="1" dirty="0"/>
-              <a:t>E[</a:t>
-            </a:r>
-            <a:r>
-              <a:rPr lang="en-US" b="1" dirty="0" err="1"/>
-              <a:t>r_j</a:t>
-            </a:r>
-            <a:r>
-              <a:rPr lang="en-US" b="1" dirty="0"/>
-              <a:t>] = 1 </a:t>
-            </a:r>
-          </a:p>
-        </p:txBody>
-      </p:sp>
       <p:sp>
         <p:nvSpPr>
           <p:cNvPr id="41" name="TextBox 40">
@@ -4157,7 +3850,7 @@
         </p:nvSpPr>
         <p:spPr>
           <a:xfrm>
-            <a:off x="4572000" y="27249120"/>
+            <a:off x="4919793" y="30935336"/>
             <a:ext cx="3124200" cy="923330"/>
           </a:xfrm>
           <a:prstGeom prst="rect">
@@ -4184,8 +3877,556 @@
           </a:p>
           <a:p>
             <a:r>
-              <a:rPr lang="en-US"/>
+              <a:rPr lang="en-US" dirty="0"/>
               <a:t>500 neurons</a:t>
+            </a:r>
+          </a:p>
+        </p:txBody>
+      </p:sp>
+      <p:pic>
+        <p:nvPicPr>
+          <p:cNvPr id="6" name="Picture 5">
+            <a:extLst>
+              <a:ext uri="{FF2B5EF4-FFF2-40B4-BE49-F238E27FC236}">
+                <a16:creationId xmlns:a16="http://schemas.microsoft.com/office/drawing/2014/main" id="{642D19CF-D27E-ADED-3C7B-1CA039578A9A}"/>
+              </a:ext>
+            </a:extLst>
+          </p:cNvPr>
+          <p:cNvPicPr>
+            <a:picLocks noChangeAspect="1"/>
+          </p:cNvPicPr>
+          <p:nvPr/>
+        </p:nvPicPr>
+        <p:blipFill>
+          <a:blip r:embed="rId7"/>
+          <a:stretch>
+            <a:fillRect/>
+          </a:stretch>
+        </p:blipFill>
+        <p:spPr>
+          <a:xfrm>
+            <a:off x="11213067" y="28697140"/>
+            <a:ext cx="3125400" cy="3127256"/>
+          </a:xfrm>
+          <a:prstGeom prst="rect">
+            <a:avLst/>
+          </a:prstGeom>
+        </p:spPr>
+      </p:pic>
+      <p:sp>
+        <p:nvSpPr>
+          <p:cNvPr id="17" name="TextBox 16">
+            <a:extLst>
+              <a:ext uri="{FF2B5EF4-FFF2-40B4-BE49-F238E27FC236}">
+                <a16:creationId xmlns:a16="http://schemas.microsoft.com/office/drawing/2014/main" id="{F75FA263-3D4A-B88C-9E78-E1C4484FABE9}"/>
+              </a:ext>
+            </a:extLst>
+          </p:cNvPr>
+          <p:cNvSpPr txBox="1"/>
+          <p:nvPr/>
+        </p:nvSpPr>
+        <p:spPr>
+          <a:xfrm>
+            <a:off x="4916135" y="29424398"/>
+            <a:ext cx="3109148" cy="923330"/>
+          </a:xfrm>
+          <a:prstGeom prst="rect">
+            <a:avLst/>
+          </a:prstGeom>
+          <a:noFill/>
+        </p:spPr>
+        <p:txBody>
+          <a:bodyPr wrap="square" rtlCol="0">
+            <a:spAutoFit/>
+          </a:bodyPr>
+          <a:lstStyle/>
+          <a:p>
+            <a:r>
+              <a:rPr lang="en-US" dirty="0"/>
+              <a:t>Parametrized Difference of Gaussian:</a:t>
+            </a:r>
+          </a:p>
+          <a:p>
+            <a:r>
+              <a:rPr lang="en-US" dirty="0"/>
+              <a:t>W = d*(e^(-a*z)  - c*(e^(-b*z))</a:t>
+            </a:r>
+          </a:p>
+        </p:txBody>
+      </p:sp>
+      <p:sp>
+        <p:nvSpPr>
+          <p:cNvPr id="18" name="TextBox 17">
+            <a:extLst>
+              <a:ext uri="{FF2B5EF4-FFF2-40B4-BE49-F238E27FC236}">
+                <a16:creationId xmlns:a16="http://schemas.microsoft.com/office/drawing/2014/main" id="{7445BCB6-C991-5E56-693C-17882A507B6B}"/>
+              </a:ext>
+            </a:extLst>
+          </p:cNvPr>
+          <p:cNvSpPr txBox="1"/>
+          <p:nvPr/>
+        </p:nvSpPr>
+        <p:spPr>
+          <a:xfrm>
+            <a:off x="21065890" y="11098306"/>
+            <a:ext cx="8122024" cy="523220"/>
+          </a:xfrm>
+          <a:prstGeom prst="rect">
+            <a:avLst/>
+          </a:prstGeom>
+          <a:noFill/>
+        </p:spPr>
+        <p:txBody>
+          <a:bodyPr wrap="square" rtlCol="0">
+            <a:spAutoFit/>
+          </a:bodyPr>
+          <a:lstStyle/>
+          <a:p>
+            <a:r>
+              <a:rPr lang="en-US" sz="2800" dirty="0"/>
+              <a:t>Example neurons </a:t>
+            </a:r>
+          </a:p>
+        </p:txBody>
+      </p:sp>
+      <p:pic>
+        <p:nvPicPr>
+          <p:cNvPr id="21" name="Picture 20">
+            <a:extLst>
+              <a:ext uri="{FF2B5EF4-FFF2-40B4-BE49-F238E27FC236}">
+                <a16:creationId xmlns:a16="http://schemas.microsoft.com/office/drawing/2014/main" id="{B58960D7-0E2B-5627-F22D-EAC9127EE3B4}"/>
+              </a:ext>
+            </a:extLst>
+          </p:cNvPr>
+          <p:cNvPicPr>
+            <a:picLocks noChangeAspect="1"/>
+          </p:cNvPicPr>
+          <p:nvPr/>
+        </p:nvPicPr>
+        <p:blipFill>
+          <a:blip r:embed="rId8"/>
+          <a:stretch>
+            <a:fillRect/>
+          </a:stretch>
+        </p:blipFill>
+        <p:spPr>
+          <a:xfrm>
+            <a:off x="22660906" y="12558439"/>
+            <a:ext cx="1400562" cy="1520700"/>
+          </a:xfrm>
+          <a:prstGeom prst="rect">
+            <a:avLst/>
+          </a:prstGeom>
+        </p:spPr>
+      </p:pic>
+      <p:pic>
+        <p:nvPicPr>
+          <p:cNvPr id="32" name="Picture 31">
+            <a:extLst>
+              <a:ext uri="{FF2B5EF4-FFF2-40B4-BE49-F238E27FC236}">
+                <a16:creationId xmlns:a16="http://schemas.microsoft.com/office/drawing/2014/main" id="{764C5670-9A4E-65BE-C6F4-CA35C55C3228}"/>
+              </a:ext>
+            </a:extLst>
+          </p:cNvPr>
+          <p:cNvPicPr>
+            <a:picLocks noChangeAspect="1"/>
+          </p:cNvPicPr>
+          <p:nvPr/>
+        </p:nvPicPr>
+        <p:blipFill>
+          <a:blip r:embed="rId9"/>
+          <a:stretch>
+            <a:fillRect/>
+          </a:stretch>
+        </p:blipFill>
+        <p:spPr>
+          <a:xfrm>
+            <a:off x="25126902" y="12558439"/>
+            <a:ext cx="1659060" cy="1868580"/>
+          </a:xfrm>
+          <a:prstGeom prst="rect">
+            <a:avLst/>
+          </a:prstGeom>
+        </p:spPr>
+      </p:pic>
+      <p:pic>
+        <p:nvPicPr>
+          <p:cNvPr id="34" name="Picture 33">
+            <a:extLst>
+              <a:ext uri="{FF2B5EF4-FFF2-40B4-BE49-F238E27FC236}">
+                <a16:creationId xmlns:a16="http://schemas.microsoft.com/office/drawing/2014/main" id="{AC849655-B5CE-17CA-4708-AE22CBDB9B00}"/>
+              </a:ext>
+            </a:extLst>
+          </p:cNvPr>
+          <p:cNvPicPr>
+            <a:picLocks noChangeAspect="1"/>
+          </p:cNvPicPr>
+          <p:nvPr/>
+        </p:nvPicPr>
+        <p:blipFill>
+          <a:blip r:embed="rId10"/>
+          <a:stretch>
+            <a:fillRect/>
+          </a:stretch>
+        </p:blipFill>
+        <p:spPr>
+          <a:xfrm>
+            <a:off x="17448496" y="12554118"/>
+            <a:ext cx="1834778" cy="1907996"/>
+          </a:xfrm>
+          <a:prstGeom prst="rect">
+            <a:avLst/>
+          </a:prstGeom>
+        </p:spPr>
+      </p:pic>
+      <p:pic>
+        <p:nvPicPr>
+          <p:cNvPr id="36" name="Picture 35">
+            <a:extLst>
+              <a:ext uri="{FF2B5EF4-FFF2-40B4-BE49-F238E27FC236}">
+                <a16:creationId xmlns:a16="http://schemas.microsoft.com/office/drawing/2014/main" id="{AD970F05-661A-F4A4-B330-F771C37246C4}"/>
+              </a:ext>
+            </a:extLst>
+          </p:cNvPr>
+          <p:cNvPicPr>
+            <a:picLocks noChangeAspect="1"/>
+          </p:cNvPicPr>
+          <p:nvPr/>
+        </p:nvPicPr>
+        <p:blipFill>
+          <a:blip r:embed="rId11"/>
+          <a:stretch>
+            <a:fillRect/>
+          </a:stretch>
+        </p:blipFill>
+        <p:spPr>
+          <a:xfrm>
+            <a:off x="19969678" y="12528879"/>
+            <a:ext cx="1802784" cy="1874896"/>
+          </a:xfrm>
+          <a:prstGeom prst="rect">
+            <a:avLst/>
+          </a:prstGeom>
+        </p:spPr>
+      </p:pic>
+      <p:pic>
+        <p:nvPicPr>
+          <p:cNvPr id="46" name="Picture 45">
+            <a:extLst>
+              <a:ext uri="{FF2B5EF4-FFF2-40B4-BE49-F238E27FC236}">
+                <a16:creationId xmlns:a16="http://schemas.microsoft.com/office/drawing/2014/main" id="{41CDE255-DFFF-294F-B6B5-5F04F57E1179}"/>
+              </a:ext>
+            </a:extLst>
+          </p:cNvPr>
+          <p:cNvPicPr>
+            <a:picLocks noChangeAspect="1"/>
+          </p:cNvPicPr>
+          <p:nvPr/>
+        </p:nvPicPr>
+        <p:blipFill>
+          <a:blip r:embed="rId12"/>
+          <a:stretch>
+            <a:fillRect/>
+          </a:stretch>
+        </p:blipFill>
+        <p:spPr>
+          <a:xfrm>
+            <a:off x="22688622" y="17116273"/>
+            <a:ext cx="5811152" cy="3356636"/>
+          </a:xfrm>
+          <a:prstGeom prst="rect">
+            <a:avLst/>
+          </a:prstGeom>
+        </p:spPr>
+      </p:pic>
+      <p:pic>
+        <p:nvPicPr>
+          <p:cNvPr id="48" name="Picture 47">
+            <a:extLst>
+              <a:ext uri="{FF2B5EF4-FFF2-40B4-BE49-F238E27FC236}">
+                <a16:creationId xmlns:a16="http://schemas.microsoft.com/office/drawing/2014/main" id="{C61E3A15-EB4C-8B1E-6F6B-192C703A6B5B}"/>
+              </a:ext>
+            </a:extLst>
+          </p:cNvPr>
+          <p:cNvPicPr>
+            <a:picLocks noChangeAspect="1"/>
+          </p:cNvPicPr>
+          <p:nvPr/>
+        </p:nvPicPr>
+        <p:blipFill>
+          <a:blip r:embed="rId13"/>
+          <a:stretch>
+            <a:fillRect/>
+          </a:stretch>
+        </p:blipFill>
+        <p:spPr>
+          <a:xfrm>
+            <a:off x="19921589" y="20789245"/>
+            <a:ext cx="5099326" cy="2941146"/>
+          </a:xfrm>
+          <a:prstGeom prst="rect">
+            <a:avLst/>
+          </a:prstGeom>
+        </p:spPr>
+      </p:pic>
+      <p:pic>
+        <p:nvPicPr>
+          <p:cNvPr id="49" name="Picture 48">
+            <a:extLst>
+              <a:ext uri="{FF2B5EF4-FFF2-40B4-BE49-F238E27FC236}">
+                <a16:creationId xmlns:a16="http://schemas.microsoft.com/office/drawing/2014/main" id="{36D29552-2312-A86D-A668-3DC970C2935A}"/>
+              </a:ext>
+            </a:extLst>
+          </p:cNvPr>
+          <p:cNvPicPr>
+            <a:picLocks noChangeAspect="1"/>
+          </p:cNvPicPr>
+          <p:nvPr/>
+        </p:nvPicPr>
+        <p:blipFill>
+          <a:blip r:embed="rId14"/>
+          <a:stretch>
+            <a:fillRect/>
+          </a:stretch>
+        </p:blipFill>
+        <p:spPr>
+          <a:xfrm>
+            <a:off x="16503756" y="17205979"/>
+            <a:ext cx="5830848" cy="3356636"/>
+          </a:xfrm>
+          <a:prstGeom prst="rect">
+            <a:avLst/>
+          </a:prstGeom>
+        </p:spPr>
+      </p:pic>
+      <p:sp>
+        <p:nvSpPr>
+          <p:cNvPr id="50" name="TextBox 49">
+            <a:extLst>
+              <a:ext uri="{FF2B5EF4-FFF2-40B4-BE49-F238E27FC236}">
+                <a16:creationId xmlns:a16="http://schemas.microsoft.com/office/drawing/2014/main" id="{32038970-DBC7-D785-CEAB-71EB51790B8D}"/>
+              </a:ext>
+            </a:extLst>
+          </p:cNvPr>
+          <p:cNvSpPr txBox="1"/>
+          <p:nvPr/>
+        </p:nvSpPr>
+        <p:spPr>
+          <a:xfrm>
+            <a:off x="17265337" y="16153606"/>
+            <a:ext cx="10650070" cy="646331"/>
+          </a:xfrm>
+          <a:prstGeom prst="rect">
+            <a:avLst/>
+          </a:prstGeom>
+          <a:noFill/>
+        </p:spPr>
+        <p:txBody>
+          <a:bodyPr wrap="square" rtlCol="0">
+            <a:spAutoFit/>
+          </a:bodyPr>
+          <a:lstStyle/>
+          <a:p>
+            <a:pPr algn="ctr"/>
+            <a:r>
+              <a:rPr lang="en-US" sz="3600" dirty="0"/>
+              <a:t>Distribution of d parameter </a:t>
+            </a:r>
+          </a:p>
+        </p:txBody>
+      </p:sp>
+      <p:sp>
+        <p:nvSpPr>
+          <p:cNvPr id="53" name="TextBox 52">
+            <a:extLst>
+              <a:ext uri="{FF2B5EF4-FFF2-40B4-BE49-F238E27FC236}">
+                <a16:creationId xmlns:a16="http://schemas.microsoft.com/office/drawing/2014/main" id="{AF1C3476-9D93-9EA9-6566-22DA596236B6}"/>
+              </a:ext>
+            </a:extLst>
+          </p:cNvPr>
+          <p:cNvSpPr txBox="1"/>
+          <p:nvPr/>
+        </p:nvSpPr>
+        <p:spPr>
+          <a:xfrm>
+            <a:off x="18049070" y="24187959"/>
+            <a:ext cx="8516470" cy="1200329"/>
+          </a:xfrm>
+          <a:prstGeom prst="rect">
+            <a:avLst/>
+          </a:prstGeom>
+          <a:noFill/>
+        </p:spPr>
+        <p:txBody>
+          <a:bodyPr wrap="square" rtlCol="0">
+            <a:spAutoFit/>
+          </a:bodyPr>
+          <a:lstStyle/>
+          <a:p>
+            <a:pPr algn="ctr"/>
+            <a:r>
+              <a:rPr lang="en-US" sz="3600" dirty="0"/>
+              <a:t>Principal components analysis of receptive fields </a:t>
+            </a:r>
+          </a:p>
+        </p:txBody>
+      </p:sp>
+      <p:sp>
+        <p:nvSpPr>
+          <p:cNvPr id="54" name="TextBox 53">
+            <a:extLst>
+              <a:ext uri="{FF2B5EF4-FFF2-40B4-BE49-F238E27FC236}">
+                <a16:creationId xmlns:a16="http://schemas.microsoft.com/office/drawing/2014/main" id="{E2D5753E-1F4E-38F8-2BA8-A85C01A39328}"/>
+              </a:ext>
+            </a:extLst>
+          </p:cNvPr>
+          <p:cNvSpPr txBox="1"/>
+          <p:nvPr/>
+        </p:nvSpPr>
+        <p:spPr>
+          <a:xfrm>
+            <a:off x="31177927" y="10916975"/>
+            <a:ext cx="5244467" cy="2862322"/>
+          </a:xfrm>
+          <a:prstGeom prst="rect">
+            <a:avLst/>
+          </a:prstGeom>
+          <a:noFill/>
+        </p:spPr>
+        <p:txBody>
+          <a:bodyPr wrap="square" rtlCol="0">
+            <a:spAutoFit/>
+          </a:bodyPr>
+          <a:lstStyle/>
+          <a:p>
+            <a:r>
+              <a:rPr lang="en-US" dirty="0"/>
+              <a:t>Fovea vs Periphery: Midget cells encode L vs M opponency in the fovea, but not in the periphery. Periphery has L + M center and – L – M surround, similar to findings here. </a:t>
+            </a:r>
+          </a:p>
+          <a:p>
+            <a:endParaRPr lang="en-US" dirty="0"/>
+          </a:p>
+          <a:p>
+            <a:r>
+              <a:rPr lang="en-US" dirty="0"/>
+              <a:t>We also get blue/yellow opponency </a:t>
+            </a:r>
+          </a:p>
+          <a:p>
+            <a:endParaRPr lang="en-US" dirty="0"/>
+          </a:p>
+          <a:p>
+            <a:endParaRPr lang="en-US" dirty="0"/>
+          </a:p>
+          <a:p>
+            <a:endParaRPr lang="en-US" dirty="0"/>
+          </a:p>
+          <a:p>
+            <a:endParaRPr lang="en-US" dirty="0"/>
+          </a:p>
+        </p:txBody>
+      </p:sp>
+      <p:pic>
+        <p:nvPicPr>
+          <p:cNvPr id="57" name="Picture 56">
+            <a:extLst>
+              <a:ext uri="{FF2B5EF4-FFF2-40B4-BE49-F238E27FC236}">
+                <a16:creationId xmlns:a16="http://schemas.microsoft.com/office/drawing/2014/main" id="{BC721508-3C36-D851-BC72-93EDF0717A2B}"/>
+              </a:ext>
+            </a:extLst>
+          </p:cNvPr>
+          <p:cNvPicPr>
+            <a:picLocks noChangeAspect="1"/>
+          </p:cNvPicPr>
+          <p:nvPr/>
+        </p:nvPicPr>
+        <p:blipFill>
+          <a:blip r:embed="rId15"/>
+          <a:stretch>
+            <a:fillRect/>
+          </a:stretch>
+        </p:blipFill>
+        <p:spPr>
+          <a:xfrm>
+            <a:off x="17501321" y="26021641"/>
+            <a:ext cx="9611968" cy="5112748"/>
+          </a:xfrm>
+          <a:prstGeom prst="rect">
+            <a:avLst/>
+          </a:prstGeom>
+        </p:spPr>
+      </p:pic>
+      <p:sp>
+        <p:nvSpPr>
+          <p:cNvPr id="58" name="TextBox 57">
+            <a:extLst>
+              <a:ext uri="{FF2B5EF4-FFF2-40B4-BE49-F238E27FC236}">
+                <a16:creationId xmlns:a16="http://schemas.microsoft.com/office/drawing/2014/main" id="{5F9B68CA-7D04-439F-15EB-E1D8E9231680}"/>
+              </a:ext>
+            </a:extLst>
+          </p:cNvPr>
+          <p:cNvSpPr txBox="1"/>
+          <p:nvPr/>
+        </p:nvSpPr>
+        <p:spPr>
+          <a:xfrm>
+            <a:off x="4663440" y="23314469"/>
+            <a:ext cx="3063240" cy="461665"/>
+          </a:xfrm>
+          <a:prstGeom prst="rect">
+            <a:avLst/>
+          </a:prstGeom>
+          <a:noFill/>
+        </p:spPr>
+        <p:txBody>
+          <a:bodyPr wrap="square" rtlCol="0">
+            <a:spAutoFit/>
+          </a:bodyPr>
+          <a:lstStyle/>
+          <a:p>
+            <a:r>
+              <a:rPr lang="en-US" sz="2400" b="1" dirty="0"/>
+              <a:t>Efficient coding model</a:t>
+            </a:r>
+            <a:r>
+              <a:rPr lang="en-US" dirty="0"/>
+              <a:t>:</a:t>
+            </a:r>
+          </a:p>
+        </p:txBody>
+      </p:sp>
+      <p:sp>
+        <p:nvSpPr>
+          <p:cNvPr id="59" name="TextBox 58">
+            <a:extLst>
+              <a:ext uri="{FF2B5EF4-FFF2-40B4-BE49-F238E27FC236}">
+                <a16:creationId xmlns:a16="http://schemas.microsoft.com/office/drawing/2014/main" id="{FF4F12AA-8301-AA19-6AB1-5E5710884031}"/>
+              </a:ext>
+            </a:extLst>
+          </p:cNvPr>
+          <p:cNvSpPr txBox="1"/>
+          <p:nvPr/>
+        </p:nvSpPr>
+        <p:spPr>
+          <a:xfrm>
+            <a:off x="4773168" y="27404831"/>
+            <a:ext cx="2953512" cy="461665"/>
+          </a:xfrm>
+          <a:prstGeom prst="rect">
+            <a:avLst/>
+          </a:prstGeom>
+          <a:noFill/>
+        </p:spPr>
+        <p:txBody>
+          <a:bodyPr wrap="square" rtlCol="0">
+            <a:spAutoFit/>
+          </a:bodyPr>
+          <a:lstStyle/>
+          <a:p>
+            <a:r>
+              <a:rPr lang="en-US" sz="2400" b="1" dirty="0"/>
+              <a:t>Training objective: </a:t>
             </a:r>
           </a:p>
         </p:txBody>
